--- a/draft/JovoPres.pptx
+++ b/draft/JovoPres.pptx
@@ -5,20 +5,21 @@
     <p:sldMasterId id="2147483648" r:id="rId1"/>
   </p:sldMasterIdLst>
   <p:notesMasterIdLst>
-    <p:notesMasterId r:id="rId13"/>
+    <p:notesMasterId r:id="rId14"/>
   </p:notesMasterIdLst>
   <p:sldIdLst>
     <p:sldId id="261" r:id="rId2"/>
     <p:sldId id="262" r:id="rId3"/>
     <p:sldId id="265" r:id="rId4"/>
     <p:sldId id="266" r:id="rId5"/>
-    <p:sldId id="263" r:id="rId6"/>
-    <p:sldId id="264" r:id="rId7"/>
-    <p:sldId id="256" r:id="rId8"/>
-    <p:sldId id="258" r:id="rId9"/>
-    <p:sldId id="260" r:id="rId10"/>
-    <p:sldId id="267" r:id="rId11"/>
-    <p:sldId id="268" r:id="rId12"/>
+    <p:sldId id="269" r:id="rId6"/>
+    <p:sldId id="263" r:id="rId7"/>
+    <p:sldId id="264" r:id="rId8"/>
+    <p:sldId id="256" r:id="rId9"/>
+    <p:sldId id="258" r:id="rId10"/>
+    <p:sldId id="260" r:id="rId11"/>
+    <p:sldId id="267" r:id="rId12"/>
+    <p:sldId id="268" r:id="rId13"/>
   </p:sldIdLst>
   <p:sldSz cx="12192000" cy="6858000"/>
   <p:notesSz cx="6858000" cy="9144000"/>
@@ -117,6 +118,11 @@
       </a:defRPr>
     </a:lvl9pPr>
   </p:defaultTextStyle>
+  <p:extLst>
+    <p:ext uri="{EFAFB233-063F-42B5-8137-9DF3F51BA10A}">
+      <p15:sldGuideLst xmlns:p15="http://schemas.microsoft.com/office/powerpoint/2012/main"/>
+    </p:ext>
+  </p:extLst>
 </p:presentation>
 </file>
 
@@ -202,7 +208,7 @@
           <a:p>
             <a:fld id="{3AEBBC23-82A6-49C6-9076-69B4A70930D6}" type="datetimeFigureOut">
               <a:rPr lang="en-US" smtClean="0"/>
-              <a:t>3/10/2016</a:t>
+              <a:t>3/24/2016</a:t>
             </a:fld>
             <a:endParaRPr lang="en-US"/>
           </a:p>
@@ -1237,7 +1243,7 @@
           <a:p>
             <a:fld id="{47A4067E-EBD9-44BE-8FCF-E4B9149AA0F7}" type="datetimeFigureOut">
               <a:rPr lang="en-US" smtClean="0"/>
-              <a:t>3/10/2016</a:t>
+              <a:t>3/24/2016</a:t>
             </a:fld>
             <a:endParaRPr lang="en-US"/>
           </a:p>
@@ -1407,7 +1413,7 @@
           <a:p>
             <a:fld id="{47A4067E-EBD9-44BE-8FCF-E4B9149AA0F7}" type="datetimeFigureOut">
               <a:rPr lang="en-US" smtClean="0"/>
-              <a:t>3/10/2016</a:t>
+              <a:t>3/24/2016</a:t>
             </a:fld>
             <a:endParaRPr lang="en-US"/>
           </a:p>
@@ -1587,7 +1593,7 @@
           <a:p>
             <a:fld id="{47A4067E-EBD9-44BE-8FCF-E4B9149AA0F7}" type="datetimeFigureOut">
               <a:rPr lang="en-US" smtClean="0"/>
-              <a:t>3/10/2016</a:t>
+              <a:t>3/24/2016</a:t>
             </a:fld>
             <a:endParaRPr lang="en-US"/>
           </a:p>
@@ -1757,7 +1763,7 @@
           <a:p>
             <a:fld id="{47A4067E-EBD9-44BE-8FCF-E4B9149AA0F7}" type="datetimeFigureOut">
               <a:rPr lang="en-US" smtClean="0"/>
-              <a:t>3/10/2016</a:t>
+              <a:t>3/24/2016</a:t>
             </a:fld>
             <a:endParaRPr lang="en-US"/>
           </a:p>
@@ -2003,7 +2009,7 @@
           <a:p>
             <a:fld id="{47A4067E-EBD9-44BE-8FCF-E4B9149AA0F7}" type="datetimeFigureOut">
               <a:rPr lang="en-US" smtClean="0"/>
-              <a:t>3/10/2016</a:t>
+              <a:t>3/24/2016</a:t>
             </a:fld>
             <a:endParaRPr lang="en-US"/>
           </a:p>
@@ -2235,7 +2241,7 @@
           <a:p>
             <a:fld id="{47A4067E-EBD9-44BE-8FCF-E4B9149AA0F7}" type="datetimeFigureOut">
               <a:rPr lang="en-US" smtClean="0"/>
-              <a:t>3/10/2016</a:t>
+              <a:t>3/24/2016</a:t>
             </a:fld>
             <a:endParaRPr lang="en-US"/>
           </a:p>
@@ -2602,7 +2608,7 @@
           <a:p>
             <a:fld id="{47A4067E-EBD9-44BE-8FCF-E4B9149AA0F7}" type="datetimeFigureOut">
               <a:rPr lang="en-US" smtClean="0"/>
-              <a:t>3/10/2016</a:t>
+              <a:t>3/24/2016</a:t>
             </a:fld>
             <a:endParaRPr lang="en-US"/>
           </a:p>
@@ -2720,7 +2726,7 @@
           <a:p>
             <a:fld id="{47A4067E-EBD9-44BE-8FCF-E4B9149AA0F7}" type="datetimeFigureOut">
               <a:rPr lang="en-US" smtClean="0"/>
-              <a:t>3/10/2016</a:t>
+              <a:t>3/24/2016</a:t>
             </a:fld>
             <a:endParaRPr lang="en-US"/>
           </a:p>
@@ -2815,7 +2821,7 @@
           <a:p>
             <a:fld id="{47A4067E-EBD9-44BE-8FCF-E4B9149AA0F7}" type="datetimeFigureOut">
               <a:rPr lang="en-US" smtClean="0"/>
-              <a:t>3/10/2016</a:t>
+              <a:t>3/24/2016</a:t>
             </a:fld>
             <a:endParaRPr lang="en-US"/>
           </a:p>
@@ -3092,7 +3098,7 @@
           <a:p>
             <a:fld id="{47A4067E-EBD9-44BE-8FCF-E4B9149AA0F7}" type="datetimeFigureOut">
               <a:rPr lang="en-US" smtClean="0"/>
-              <a:t>3/10/2016</a:t>
+              <a:t>3/24/2016</a:t>
             </a:fld>
             <a:endParaRPr lang="en-US"/>
           </a:p>
@@ -3345,7 +3351,7 @@
           <a:p>
             <a:fld id="{47A4067E-EBD9-44BE-8FCF-E4B9149AA0F7}" type="datetimeFigureOut">
               <a:rPr lang="en-US" smtClean="0"/>
-              <a:t>3/10/2016</a:t>
+              <a:t>3/24/2016</a:t>
             </a:fld>
             <a:endParaRPr lang="en-US"/>
           </a:p>
@@ -3567,7 +3573,7 @@
           <a:p>
             <a:fld id="{47A4067E-EBD9-44BE-8FCF-E4B9149AA0F7}" type="datetimeFigureOut">
               <a:rPr lang="en-US" smtClean="0"/>
-              <a:t>3/10/2016</a:t>
+              <a:t>3/24/2016</a:t>
             </a:fld>
             <a:endParaRPr lang="en-US"/>
           </a:p>
@@ -4086,6 +4092,188 @@
           <a:chExt cx="0" cy="0"/>
         </a:xfrm>
       </p:grpSpPr>
+      <p:sp>
+        <p:nvSpPr>
+          <p:cNvPr id="6" name="TextBox 5"/>
+          <p:cNvSpPr txBox="1"/>
+          <p:nvPr/>
+        </p:nvSpPr>
+        <p:spPr>
+          <a:xfrm>
+            <a:off x="402771" y="1132115"/>
+            <a:ext cx="3254829" cy="646331"/>
+          </a:xfrm>
+          <a:prstGeom prst="rect">
+            <a:avLst/>
+          </a:prstGeom>
+          <a:noFill/>
+        </p:spPr>
+        <p:txBody>
+          <a:bodyPr wrap="square" rtlCol="0">
+            <a:spAutoFit/>
+          </a:bodyPr>
+          <a:lstStyle/>
+          <a:p>
+            <a:endParaRPr lang="en-US" dirty="0" smtClean="0"/>
+          </a:p>
+          <a:p>
+            <a:endParaRPr lang="en-US" dirty="0"/>
+          </a:p>
+        </p:txBody>
+      </p:sp>
+      <p:sp>
+        <p:nvSpPr>
+          <p:cNvPr id="23" name="TextBox 22"/>
+          <p:cNvSpPr txBox="1"/>
+          <p:nvPr/>
+        </p:nvSpPr>
+        <p:spPr>
+          <a:xfrm>
+            <a:off x="425252" y="577459"/>
+            <a:ext cx="2987385" cy="2308324"/>
+          </a:xfrm>
+          <a:prstGeom prst="rect">
+            <a:avLst/>
+          </a:prstGeom>
+          <a:noFill/>
+        </p:spPr>
+        <p:txBody>
+          <a:bodyPr wrap="square" rtlCol="0">
+            <a:spAutoFit/>
+          </a:bodyPr>
+          <a:lstStyle/>
+          <a:p>
+            <a:r>
+              <a:rPr lang="en-US" sz="3600" dirty="0" smtClean="0">
+                <a:latin typeface="Arial" panose="020B0604020202020204" pitchFamily="34" charset="0"/>
+                <a:cs typeface="Arial" panose="020B0604020202020204" pitchFamily="34" charset="0"/>
+              </a:rPr>
+              <a:t>Actually visualizing clusters is difficult</a:t>
+            </a:r>
+            <a:endParaRPr lang="en-US" sz="3600" dirty="0">
+              <a:latin typeface="Arial" panose="020B0604020202020204" pitchFamily="34" charset="0"/>
+              <a:cs typeface="Arial" panose="020B0604020202020204" pitchFamily="34" charset="0"/>
+            </a:endParaRPr>
+          </a:p>
+        </p:txBody>
+      </p:sp>
+      <p:pic>
+        <p:nvPicPr>
+          <p:cNvPr id="2" name="Picture 1"/>
+          <p:cNvPicPr>
+            <a:picLocks noChangeAspect="1"/>
+          </p:cNvPicPr>
+          <p:nvPr/>
+        </p:nvPicPr>
+        <p:blipFill>
+          <a:blip r:embed="rId2" cstate="print">
+            <a:clrChange>
+              <a:clrFrom>
+                <a:srgbClr val="FFFFFF"/>
+              </a:clrFrom>
+              <a:clrTo>
+                <a:srgbClr val="FFFFFF">
+                  <a:alpha val="0"/>
+                </a:srgbClr>
+              </a:clrTo>
+            </a:clrChange>
+            <a:extLst>
+              <a:ext uri="{28A0092B-C50C-407E-A947-70E740481C1C}">
+                <a14:useLocalDpi xmlns:a14="http://schemas.microsoft.com/office/drawing/2010/main" val="0"/>
+              </a:ext>
+            </a:extLst>
+          </a:blip>
+          <a:stretch>
+            <a:fillRect/>
+          </a:stretch>
+        </p:blipFill>
+        <p:spPr>
+          <a:xfrm>
+            <a:off x="3986504" y="3507934"/>
+            <a:ext cx="6539771" cy="3200400"/>
+          </a:xfrm>
+          <a:prstGeom prst="rect">
+            <a:avLst/>
+          </a:prstGeom>
+        </p:spPr>
+      </p:pic>
+      <p:pic>
+        <p:nvPicPr>
+          <p:cNvPr id="5" name="Picture 4"/>
+          <p:cNvPicPr>
+            <a:picLocks noChangeAspect="1"/>
+          </p:cNvPicPr>
+          <p:nvPr/>
+        </p:nvPicPr>
+        <p:blipFill>
+          <a:blip r:embed="rId3" cstate="print">
+            <a:clrChange>
+              <a:clrFrom>
+                <a:srgbClr val="FFFFFF"/>
+              </a:clrFrom>
+              <a:clrTo>
+                <a:srgbClr val="FFFFFF">
+                  <a:alpha val="0"/>
+                </a:srgbClr>
+              </a:clrTo>
+            </a:clrChange>
+            <a:extLst>
+              <a:ext uri="{28A0092B-C50C-407E-A947-70E740481C1C}">
+                <a14:useLocalDpi xmlns:a14="http://schemas.microsoft.com/office/drawing/2010/main" val="0"/>
+              </a:ext>
+            </a:extLst>
+          </a:blip>
+          <a:stretch>
+            <a:fillRect/>
+          </a:stretch>
+        </p:blipFill>
+        <p:spPr>
+          <a:xfrm>
+            <a:off x="3986505" y="208144"/>
+            <a:ext cx="6539771" cy="3200400"/>
+          </a:xfrm>
+          <a:prstGeom prst="rect">
+            <a:avLst/>
+          </a:prstGeom>
+        </p:spPr>
+      </p:pic>
+    </p:spTree>
+    <p:extLst>
+      <p:ext uri="{BB962C8B-B14F-4D97-AF65-F5344CB8AC3E}">
+        <p14:creationId xmlns:p14="http://schemas.microsoft.com/office/powerpoint/2010/main" val="1977230296"/>
+      </p:ext>
+    </p:extLst>
+  </p:cSld>
+  <p:clrMapOvr>
+    <a:masterClrMapping/>
+  </p:clrMapOvr>
+  <p:timing>
+    <p:tnLst>
+      <p:par>
+        <p:cTn id="1" dur="indefinite" restart="never" nodeType="tmRoot"/>
+      </p:par>
+    </p:tnLst>
+  </p:timing>
+</p:sld>
+</file>
+
+<file path=ppt/slides/slide11.xml><?xml version="1.0" encoding="utf-8"?>
+<p:sld xmlns:a="http://schemas.openxmlformats.org/drawingml/2006/main" xmlns:r="http://schemas.openxmlformats.org/officeDocument/2006/relationships" xmlns:p="http://schemas.openxmlformats.org/presentationml/2006/main">
+  <p:cSld>
+    <p:spTree>
+      <p:nvGrpSpPr>
+        <p:cNvPr id="1" name=""/>
+        <p:cNvGrpSpPr/>
+        <p:nvPr/>
+      </p:nvGrpSpPr>
+      <p:grpSpPr>
+        <a:xfrm>
+          <a:off x="0" y="0"/>
+          <a:ext cx="0" cy="0"/>
+          <a:chOff x="0" y="0"/>
+          <a:chExt cx="0" cy="0"/>
+        </a:xfrm>
+      </p:grpSpPr>
       <p:grpSp>
         <p:nvGrpSpPr>
           <p:cNvPr id="7" name="Group 6"/>
@@ -4297,7 +4485,7 @@
 </p:sld>
 </file>
 
-<file path=ppt/slides/slide11.xml><?xml version="1.0" encoding="utf-8"?>
+<file path=ppt/slides/slide12.xml><?xml version="1.0" encoding="utf-8"?>
 <p:sld xmlns:a="http://schemas.openxmlformats.org/drawingml/2006/main" xmlns:r="http://schemas.openxmlformats.org/officeDocument/2006/relationships" xmlns:p="http://schemas.openxmlformats.org/presentationml/2006/main">
   <p:cSld>
     <p:spTree>
@@ -5307,6 +5495,65 @@
   <p:cSld>
     <p:spTree>
       <p:nvGrpSpPr>
+        <p:cNvPr id="1" name=""/>
+        <p:cNvGrpSpPr/>
+        <p:nvPr/>
+      </p:nvGrpSpPr>
+      <p:grpSpPr>
+        <a:xfrm>
+          <a:off x="0" y="0"/>
+          <a:ext cx="0" cy="0"/>
+          <a:chOff x="0" y="0"/>
+          <a:chExt cx="0" cy="0"/>
+        </a:xfrm>
+      </p:grpSpPr>
+      <p:pic>
+        <p:nvPicPr>
+          <p:cNvPr id="2" name="Picture 1"/>
+          <p:cNvPicPr>
+            <a:picLocks noChangeAspect="1"/>
+          </p:cNvPicPr>
+          <p:nvPr/>
+        </p:nvPicPr>
+        <p:blipFill rotWithShape="1">
+          <a:blip r:embed="rId2">
+            <a:extLst>
+              <a:ext uri="{28A0092B-C50C-407E-A947-70E740481C1C}">
+                <a14:useLocalDpi xmlns:a14="http://schemas.microsoft.com/office/drawing/2010/main" val="0"/>
+              </a:ext>
+            </a:extLst>
+          </a:blip>
+          <a:srcRect l="215" t="9811" r="1623" b="4570"/>
+          <a:stretch/>
+        </p:blipFill>
+        <p:spPr>
+          <a:xfrm>
+            <a:off x="21771" y="555171"/>
+            <a:ext cx="9873343" cy="4844142"/>
+          </a:xfrm>
+          <a:prstGeom prst="rect">
+            <a:avLst/>
+          </a:prstGeom>
+        </p:spPr>
+      </p:pic>
+    </p:spTree>
+    <p:extLst>
+      <p:ext uri="{BB962C8B-B14F-4D97-AF65-F5344CB8AC3E}">
+        <p14:creationId xmlns:p14="http://schemas.microsoft.com/office/powerpoint/2010/main" val="246226670"/>
+      </p:ext>
+    </p:extLst>
+  </p:cSld>
+  <p:clrMapOvr>
+    <a:masterClrMapping/>
+  </p:clrMapOvr>
+</p:sld>
+</file>
+
+<file path=ppt/slides/slide6.xml><?xml version="1.0" encoding="utf-8"?>
+<p:sld xmlns:a="http://schemas.openxmlformats.org/drawingml/2006/main" xmlns:r="http://schemas.openxmlformats.org/officeDocument/2006/relationships" xmlns:p="http://schemas.openxmlformats.org/presentationml/2006/main">
+  <p:cSld>
+    <p:spTree>
+      <p:nvGrpSpPr>
         <p:cNvPr id="1" name="Shape 77"/>
         <p:cNvGrpSpPr/>
         <p:nvPr/>
@@ -5590,7 +5837,7 @@
 </p:sld>
 </file>
 
-<file path=ppt/slides/slide6.xml><?xml version="1.0" encoding="utf-8"?>
+<file path=ppt/slides/slide7.xml><?xml version="1.0" encoding="utf-8"?>
 <p:sld xmlns:a="http://schemas.openxmlformats.org/drawingml/2006/main" xmlns:r="http://schemas.openxmlformats.org/officeDocument/2006/relationships" xmlns:p="http://schemas.openxmlformats.org/presentationml/2006/main">
   <p:cSld>
     <p:spTree>
@@ -5787,7 +6034,7 @@
 </p:sld>
 </file>
 
-<file path=ppt/slides/slide7.xml><?xml version="1.0" encoding="utf-8"?>
+<file path=ppt/slides/slide8.xml><?xml version="1.0" encoding="utf-8"?>
 <p:sld xmlns:a="http://schemas.openxmlformats.org/drawingml/2006/main" xmlns:r="http://schemas.openxmlformats.org/officeDocument/2006/relationships" xmlns:p="http://schemas.openxmlformats.org/presentationml/2006/main">
   <p:cSld>
     <p:spTree>
@@ -6003,7 +6250,7 @@
 </p:sld>
 </file>
 
-<file path=ppt/slides/slide8.xml><?xml version="1.0" encoding="utf-8"?>
+<file path=ppt/slides/slide9.xml><?xml version="1.0" encoding="utf-8"?>
 <p:sld xmlns:a="http://schemas.openxmlformats.org/drawingml/2006/main" xmlns:r="http://schemas.openxmlformats.org/officeDocument/2006/relationships" xmlns:p="http://schemas.openxmlformats.org/presentationml/2006/main">
   <p:cSld>
     <p:spTree>
@@ -6080,14 +6327,7 @@
                 <a:latin typeface="Arial" panose="020B0604020202020204" pitchFamily="34" charset="0"/>
                 <a:cs typeface="Arial" panose="020B0604020202020204" pitchFamily="34" charset="0"/>
               </a:rPr>
-              <a:t>BIC suggests </a:t>
-            </a:r>
-            <a:r>
-              <a:rPr lang="en-US" sz="3600" dirty="0" smtClean="0">
-                <a:latin typeface="Arial" panose="020B0604020202020204" pitchFamily="34" charset="0"/>
-                <a:cs typeface="Arial" panose="020B0604020202020204" pitchFamily="34" charset="0"/>
-              </a:rPr>
-              <a:t>clusters across all features in the set</a:t>
+              <a:t>BIC suggests clusters across all features in the set</a:t>
             </a:r>
             <a:endParaRPr lang="en-US" sz="3600" dirty="0">
               <a:latin typeface="Arial" panose="020B0604020202020204" pitchFamily="34" charset="0"/>
@@ -6238,188 +6478,6 @@
     <p:extLst>
       <p:ext uri="{BB962C8B-B14F-4D97-AF65-F5344CB8AC3E}">
         <p14:creationId xmlns:p14="http://schemas.microsoft.com/office/powerpoint/2010/main" val="2906370538"/>
-      </p:ext>
-    </p:extLst>
-  </p:cSld>
-  <p:clrMapOvr>
-    <a:masterClrMapping/>
-  </p:clrMapOvr>
-  <p:timing>
-    <p:tnLst>
-      <p:par>
-        <p:cTn id="1" dur="indefinite" restart="never" nodeType="tmRoot"/>
-      </p:par>
-    </p:tnLst>
-  </p:timing>
-</p:sld>
-</file>
-
-<file path=ppt/slides/slide9.xml><?xml version="1.0" encoding="utf-8"?>
-<p:sld xmlns:a="http://schemas.openxmlformats.org/drawingml/2006/main" xmlns:r="http://schemas.openxmlformats.org/officeDocument/2006/relationships" xmlns:p="http://schemas.openxmlformats.org/presentationml/2006/main">
-  <p:cSld>
-    <p:spTree>
-      <p:nvGrpSpPr>
-        <p:cNvPr id="1" name=""/>
-        <p:cNvGrpSpPr/>
-        <p:nvPr/>
-      </p:nvGrpSpPr>
-      <p:grpSpPr>
-        <a:xfrm>
-          <a:off x="0" y="0"/>
-          <a:ext cx="0" cy="0"/>
-          <a:chOff x="0" y="0"/>
-          <a:chExt cx="0" cy="0"/>
-        </a:xfrm>
-      </p:grpSpPr>
-      <p:sp>
-        <p:nvSpPr>
-          <p:cNvPr id="6" name="TextBox 5"/>
-          <p:cNvSpPr txBox="1"/>
-          <p:nvPr/>
-        </p:nvSpPr>
-        <p:spPr>
-          <a:xfrm>
-            <a:off x="402771" y="1132115"/>
-            <a:ext cx="3254829" cy="646331"/>
-          </a:xfrm>
-          <a:prstGeom prst="rect">
-            <a:avLst/>
-          </a:prstGeom>
-          <a:noFill/>
-        </p:spPr>
-        <p:txBody>
-          <a:bodyPr wrap="square" rtlCol="0">
-            <a:spAutoFit/>
-          </a:bodyPr>
-          <a:lstStyle/>
-          <a:p>
-            <a:endParaRPr lang="en-US" dirty="0" smtClean="0"/>
-          </a:p>
-          <a:p>
-            <a:endParaRPr lang="en-US" dirty="0"/>
-          </a:p>
-        </p:txBody>
-      </p:sp>
-      <p:sp>
-        <p:nvSpPr>
-          <p:cNvPr id="23" name="TextBox 22"/>
-          <p:cNvSpPr txBox="1"/>
-          <p:nvPr/>
-        </p:nvSpPr>
-        <p:spPr>
-          <a:xfrm>
-            <a:off x="425252" y="577459"/>
-            <a:ext cx="2987385" cy="2308324"/>
-          </a:xfrm>
-          <a:prstGeom prst="rect">
-            <a:avLst/>
-          </a:prstGeom>
-          <a:noFill/>
-        </p:spPr>
-        <p:txBody>
-          <a:bodyPr wrap="square" rtlCol="0">
-            <a:spAutoFit/>
-          </a:bodyPr>
-          <a:lstStyle/>
-          <a:p>
-            <a:r>
-              <a:rPr lang="en-US" sz="3600" dirty="0" smtClean="0">
-                <a:latin typeface="Arial" panose="020B0604020202020204" pitchFamily="34" charset="0"/>
-                <a:cs typeface="Arial" panose="020B0604020202020204" pitchFamily="34" charset="0"/>
-              </a:rPr>
-              <a:t>Actually visualizing clusters is difficult</a:t>
-            </a:r>
-            <a:endParaRPr lang="en-US" sz="3600" dirty="0">
-              <a:latin typeface="Arial" panose="020B0604020202020204" pitchFamily="34" charset="0"/>
-              <a:cs typeface="Arial" panose="020B0604020202020204" pitchFamily="34" charset="0"/>
-            </a:endParaRPr>
-          </a:p>
-        </p:txBody>
-      </p:sp>
-      <p:pic>
-        <p:nvPicPr>
-          <p:cNvPr id="2" name="Picture 1"/>
-          <p:cNvPicPr>
-            <a:picLocks noChangeAspect="1"/>
-          </p:cNvPicPr>
-          <p:nvPr/>
-        </p:nvPicPr>
-        <p:blipFill>
-          <a:blip r:embed="rId2" cstate="print">
-            <a:clrChange>
-              <a:clrFrom>
-                <a:srgbClr val="FFFFFF"/>
-              </a:clrFrom>
-              <a:clrTo>
-                <a:srgbClr val="FFFFFF">
-                  <a:alpha val="0"/>
-                </a:srgbClr>
-              </a:clrTo>
-            </a:clrChange>
-            <a:extLst>
-              <a:ext uri="{28A0092B-C50C-407E-A947-70E740481C1C}">
-                <a14:useLocalDpi xmlns:a14="http://schemas.microsoft.com/office/drawing/2010/main" val="0"/>
-              </a:ext>
-            </a:extLst>
-          </a:blip>
-          <a:stretch>
-            <a:fillRect/>
-          </a:stretch>
-        </p:blipFill>
-        <p:spPr>
-          <a:xfrm>
-            <a:off x="3986504" y="3507934"/>
-            <a:ext cx="6539771" cy="3200400"/>
-          </a:xfrm>
-          <a:prstGeom prst="rect">
-            <a:avLst/>
-          </a:prstGeom>
-        </p:spPr>
-      </p:pic>
-      <p:pic>
-        <p:nvPicPr>
-          <p:cNvPr id="5" name="Picture 4"/>
-          <p:cNvPicPr>
-            <a:picLocks noChangeAspect="1"/>
-          </p:cNvPicPr>
-          <p:nvPr/>
-        </p:nvPicPr>
-        <p:blipFill>
-          <a:blip r:embed="rId3" cstate="print">
-            <a:clrChange>
-              <a:clrFrom>
-                <a:srgbClr val="FFFFFF"/>
-              </a:clrFrom>
-              <a:clrTo>
-                <a:srgbClr val="FFFFFF">
-                  <a:alpha val="0"/>
-                </a:srgbClr>
-              </a:clrTo>
-            </a:clrChange>
-            <a:extLst>
-              <a:ext uri="{28A0092B-C50C-407E-A947-70E740481C1C}">
-                <a14:useLocalDpi xmlns:a14="http://schemas.microsoft.com/office/drawing/2010/main" val="0"/>
-              </a:ext>
-            </a:extLst>
-          </a:blip>
-          <a:stretch>
-            <a:fillRect/>
-          </a:stretch>
-        </p:blipFill>
-        <p:spPr>
-          <a:xfrm>
-            <a:off x="3986505" y="208144"/>
-            <a:ext cx="6539771" cy="3200400"/>
-          </a:xfrm>
-          <a:prstGeom prst="rect">
-            <a:avLst/>
-          </a:prstGeom>
-        </p:spPr>
-      </p:pic>
-    </p:spTree>
-    <p:extLst>
-      <p:ext uri="{BB962C8B-B14F-4D97-AF65-F5344CB8AC3E}">
-        <p14:creationId xmlns:p14="http://schemas.microsoft.com/office/powerpoint/2010/main" val="1977230296"/>
       </p:ext>
     </p:extLst>
   </p:cSld>
